--- a/טמפלייט לפיץ.pptx
+++ b/טמפלייט לפיץ.pptx
@@ -12,7 +12,7 @@
     <p:sldId id="260" r:id="rId7"/>
   </p:sldIdLst>
   <p:sldSz cx="12192000" cy="6858000"/>
-  <p:notesSz cx="6858000" cy="9144000"/>
+  <p:notesSz cx="7559675" cy="10691812"/>
 </p:presentation>
 </file>
 
@@ -57,7 +57,7 @@
       </p:grpSpPr>
       <p:sp>
         <p:nvSpPr>
-          <p:cNvPr id="26" name="PlaceHolder 1"/>
+          <p:cNvPr id="23" name="PlaceHolder 1"/>
           <p:cNvSpPr>
             <a:spLocks noGrp="1"/>
           </p:cNvSpPr>
@@ -68,7 +68,7 @@
         <p:spPr>
           <a:xfrm>
             <a:off x="1523880" y="1122480"/>
-            <a:ext cx="9143640" cy="2387160"/>
+            <a:ext cx="9143280" cy="2386800"/>
           </a:xfrm>
           <a:prstGeom prst="rect">
             <a:avLst/>
@@ -79,18 +79,16 @@
             <a:noAutofit/>
           </a:bodyPr>
           <a:p>
-            <a:endParaRPr b="0" lang="en" sz="1400" spc="-1" strike="noStrike">
-              <a:solidFill>
-                <a:srgbClr val="000000"/>
-              </a:solidFill>
-              <a:latin typeface="Arial"/>
-            </a:endParaRPr>
-          </a:p>
-        </p:txBody>
-      </p:sp>
-      <p:sp>
-        <p:nvSpPr>
-          <p:cNvPr id="27" name="PlaceHolder 2"/>
+            <a:pPr algn="ctr"/>
+            <a:endParaRPr b="0" lang="en" sz="4400" spc="-1" strike="noStrike">
+              <a:latin typeface="Arial"/>
+            </a:endParaRPr>
+          </a:p>
+        </p:txBody>
+      </p:sp>
+      <p:sp>
+        <p:nvSpPr>
+          <p:cNvPr id="24" name="PlaceHolder 2"/>
           <p:cNvSpPr>
             <a:spLocks noGrp="1"/>
           </p:cNvSpPr>
@@ -112,18 +110,15 @@
             <a:normAutofit/>
           </a:bodyPr>
           <a:p>
-            <a:endParaRPr b="0" lang="en" sz="1400" spc="-1" strike="noStrike">
-              <a:solidFill>
-                <a:srgbClr val="000000"/>
-              </a:solidFill>
-              <a:latin typeface="Arial"/>
-            </a:endParaRPr>
-          </a:p>
-        </p:txBody>
-      </p:sp>
-      <p:sp>
-        <p:nvSpPr>
-          <p:cNvPr id="28" name="PlaceHolder 3"/>
+            <a:endParaRPr b="0" lang="en" sz="3200" spc="-1" strike="noStrike">
+              <a:latin typeface="Arial"/>
+            </a:endParaRPr>
+          </a:p>
+        </p:txBody>
+      </p:sp>
+      <p:sp>
+        <p:nvSpPr>
+          <p:cNvPr id="25" name="PlaceHolder 3"/>
           <p:cNvSpPr>
             <a:spLocks noGrp="1"/>
           </p:cNvSpPr>
@@ -145,10 +140,7 @@
             <a:normAutofit/>
           </a:bodyPr>
           <a:p>
-            <a:endParaRPr b="0" lang="en" sz="1400" spc="-1" strike="noStrike">
-              <a:solidFill>
-                <a:srgbClr val="000000"/>
-              </a:solidFill>
+            <a:endParaRPr b="0" lang="en" sz="3200" spc="-1" strike="noStrike">
               <a:latin typeface="Arial"/>
             </a:endParaRPr>
           </a:p>
@@ -178,7 +170,7 @@
       </p:grpSpPr>
       <p:sp>
         <p:nvSpPr>
-          <p:cNvPr id="29" name="PlaceHolder 1"/>
+          <p:cNvPr id="26" name="PlaceHolder 1"/>
           <p:cNvSpPr>
             <a:spLocks noGrp="1"/>
           </p:cNvSpPr>
@@ -189,7 +181,7 @@
         <p:spPr>
           <a:xfrm>
             <a:off x="1523880" y="1122480"/>
-            <a:ext cx="9143640" cy="2387160"/>
+            <a:ext cx="9143280" cy="2386800"/>
           </a:xfrm>
           <a:prstGeom prst="rect">
             <a:avLst/>
@@ -200,18 +192,16 @@
             <a:noAutofit/>
           </a:bodyPr>
           <a:p>
-            <a:endParaRPr b="0" lang="en" sz="1400" spc="-1" strike="noStrike">
-              <a:solidFill>
-                <a:srgbClr val="000000"/>
-              </a:solidFill>
-              <a:latin typeface="Arial"/>
-            </a:endParaRPr>
-          </a:p>
-        </p:txBody>
-      </p:sp>
-      <p:sp>
-        <p:nvSpPr>
-          <p:cNvPr id="30" name="PlaceHolder 2"/>
+            <a:pPr algn="ctr"/>
+            <a:endParaRPr b="0" lang="en" sz="4400" spc="-1" strike="noStrike">
+              <a:latin typeface="Arial"/>
+            </a:endParaRPr>
+          </a:p>
+        </p:txBody>
+      </p:sp>
+      <p:sp>
+        <p:nvSpPr>
+          <p:cNvPr id="27" name="PlaceHolder 2"/>
           <p:cNvSpPr>
             <a:spLocks noGrp="1"/>
           </p:cNvSpPr>
@@ -233,18 +223,15 @@
             <a:normAutofit/>
           </a:bodyPr>
           <a:p>
-            <a:endParaRPr b="0" lang="en" sz="1400" spc="-1" strike="noStrike">
-              <a:solidFill>
-                <a:srgbClr val="000000"/>
-              </a:solidFill>
-              <a:latin typeface="Arial"/>
-            </a:endParaRPr>
-          </a:p>
-        </p:txBody>
-      </p:sp>
-      <p:sp>
-        <p:nvSpPr>
-          <p:cNvPr id="31" name="PlaceHolder 3"/>
+            <a:endParaRPr b="0" lang="en" sz="3200" spc="-1" strike="noStrike">
+              <a:latin typeface="Arial"/>
+            </a:endParaRPr>
+          </a:p>
+        </p:txBody>
+      </p:sp>
+      <p:sp>
+        <p:nvSpPr>
+          <p:cNvPr id="28" name="PlaceHolder 3"/>
           <p:cNvSpPr>
             <a:spLocks noGrp="1"/>
           </p:cNvSpPr>
@@ -266,18 +253,15 @@
             <a:normAutofit/>
           </a:bodyPr>
           <a:p>
-            <a:endParaRPr b="0" lang="en" sz="1400" spc="-1" strike="noStrike">
-              <a:solidFill>
-                <a:srgbClr val="000000"/>
-              </a:solidFill>
-              <a:latin typeface="Arial"/>
-            </a:endParaRPr>
-          </a:p>
-        </p:txBody>
-      </p:sp>
-      <p:sp>
-        <p:nvSpPr>
-          <p:cNvPr id="32" name="PlaceHolder 4"/>
+            <a:endParaRPr b="0" lang="en" sz="3200" spc="-1" strike="noStrike">
+              <a:latin typeface="Arial"/>
+            </a:endParaRPr>
+          </a:p>
+        </p:txBody>
+      </p:sp>
+      <p:sp>
+        <p:nvSpPr>
+          <p:cNvPr id="29" name="PlaceHolder 4"/>
           <p:cNvSpPr>
             <a:spLocks noGrp="1"/>
           </p:cNvSpPr>
@@ -299,18 +283,15 @@
             <a:normAutofit/>
           </a:bodyPr>
           <a:p>
-            <a:endParaRPr b="0" lang="en" sz="1400" spc="-1" strike="noStrike">
-              <a:solidFill>
-                <a:srgbClr val="000000"/>
-              </a:solidFill>
-              <a:latin typeface="Arial"/>
-            </a:endParaRPr>
-          </a:p>
-        </p:txBody>
-      </p:sp>
-      <p:sp>
-        <p:nvSpPr>
-          <p:cNvPr id="33" name="PlaceHolder 5"/>
+            <a:endParaRPr b="0" lang="en" sz="3200" spc="-1" strike="noStrike">
+              <a:latin typeface="Arial"/>
+            </a:endParaRPr>
+          </a:p>
+        </p:txBody>
+      </p:sp>
+      <p:sp>
+        <p:nvSpPr>
+          <p:cNvPr id="30" name="PlaceHolder 5"/>
           <p:cNvSpPr>
             <a:spLocks noGrp="1"/>
           </p:cNvSpPr>
@@ -332,10 +313,7 @@
             <a:normAutofit/>
           </a:bodyPr>
           <a:p>
-            <a:endParaRPr b="0" lang="en" sz="1400" spc="-1" strike="noStrike">
-              <a:solidFill>
-                <a:srgbClr val="000000"/>
-              </a:solidFill>
+            <a:endParaRPr b="0" lang="en" sz="3200" spc="-1" strike="noStrike">
               <a:latin typeface="Arial"/>
             </a:endParaRPr>
           </a:p>
@@ -365,7 +343,7 @@
       </p:grpSpPr>
       <p:sp>
         <p:nvSpPr>
-          <p:cNvPr id="34" name="PlaceHolder 1"/>
+          <p:cNvPr id="31" name="PlaceHolder 1"/>
           <p:cNvSpPr>
             <a:spLocks noGrp="1"/>
           </p:cNvSpPr>
@@ -376,7 +354,7 @@
         <p:spPr>
           <a:xfrm>
             <a:off x="1523880" y="1122480"/>
-            <a:ext cx="9143640" cy="2387160"/>
+            <a:ext cx="9143280" cy="2386800"/>
           </a:xfrm>
           <a:prstGeom prst="rect">
             <a:avLst/>
@@ -387,18 +365,16 @@
             <a:noAutofit/>
           </a:bodyPr>
           <a:p>
-            <a:endParaRPr b="0" lang="en" sz="1400" spc="-1" strike="noStrike">
-              <a:solidFill>
-                <a:srgbClr val="000000"/>
-              </a:solidFill>
-              <a:latin typeface="Arial"/>
-            </a:endParaRPr>
-          </a:p>
-        </p:txBody>
-      </p:sp>
-      <p:sp>
-        <p:nvSpPr>
-          <p:cNvPr id="35" name="PlaceHolder 2"/>
+            <a:pPr algn="ctr"/>
+            <a:endParaRPr b="0" lang="en" sz="4400" spc="-1" strike="noStrike">
+              <a:latin typeface="Arial"/>
+            </a:endParaRPr>
+          </a:p>
+        </p:txBody>
+      </p:sp>
+      <p:sp>
+        <p:nvSpPr>
+          <p:cNvPr id="32" name="PlaceHolder 2"/>
           <p:cNvSpPr>
             <a:spLocks noGrp="1"/>
           </p:cNvSpPr>
@@ -420,18 +396,15 @@
             <a:normAutofit/>
           </a:bodyPr>
           <a:p>
-            <a:endParaRPr b="0" lang="en" sz="1400" spc="-1" strike="noStrike">
-              <a:solidFill>
-                <a:srgbClr val="000000"/>
-              </a:solidFill>
-              <a:latin typeface="Arial"/>
-            </a:endParaRPr>
-          </a:p>
-        </p:txBody>
-      </p:sp>
-      <p:sp>
-        <p:nvSpPr>
-          <p:cNvPr id="36" name="PlaceHolder 3"/>
+            <a:endParaRPr b="0" lang="en" sz="3200" spc="-1" strike="noStrike">
+              <a:latin typeface="Arial"/>
+            </a:endParaRPr>
+          </a:p>
+        </p:txBody>
+      </p:sp>
+      <p:sp>
+        <p:nvSpPr>
+          <p:cNvPr id="33" name="PlaceHolder 3"/>
           <p:cNvSpPr>
             <a:spLocks noGrp="1"/>
           </p:cNvSpPr>
@@ -453,18 +426,15 @@
             <a:normAutofit/>
           </a:bodyPr>
           <a:p>
-            <a:endParaRPr b="0" lang="en" sz="1400" spc="-1" strike="noStrike">
-              <a:solidFill>
-                <a:srgbClr val="000000"/>
-              </a:solidFill>
-              <a:latin typeface="Arial"/>
-            </a:endParaRPr>
-          </a:p>
-        </p:txBody>
-      </p:sp>
-      <p:sp>
-        <p:nvSpPr>
-          <p:cNvPr id="37" name="PlaceHolder 4"/>
+            <a:endParaRPr b="0" lang="en" sz="3200" spc="-1" strike="noStrike">
+              <a:latin typeface="Arial"/>
+            </a:endParaRPr>
+          </a:p>
+        </p:txBody>
+      </p:sp>
+      <p:sp>
+        <p:nvSpPr>
+          <p:cNvPr id="34" name="PlaceHolder 4"/>
           <p:cNvSpPr>
             <a:spLocks noGrp="1"/>
           </p:cNvSpPr>
@@ -486,18 +456,15 @@
             <a:normAutofit/>
           </a:bodyPr>
           <a:p>
-            <a:endParaRPr b="0" lang="en" sz="1400" spc="-1" strike="noStrike">
-              <a:solidFill>
-                <a:srgbClr val="000000"/>
-              </a:solidFill>
-              <a:latin typeface="Arial"/>
-            </a:endParaRPr>
-          </a:p>
-        </p:txBody>
-      </p:sp>
-      <p:sp>
-        <p:nvSpPr>
-          <p:cNvPr id="38" name="PlaceHolder 5"/>
+            <a:endParaRPr b="0" lang="en" sz="3200" spc="-1" strike="noStrike">
+              <a:latin typeface="Arial"/>
+            </a:endParaRPr>
+          </a:p>
+        </p:txBody>
+      </p:sp>
+      <p:sp>
+        <p:nvSpPr>
+          <p:cNvPr id="35" name="PlaceHolder 5"/>
           <p:cNvSpPr>
             <a:spLocks noGrp="1"/>
           </p:cNvSpPr>
@@ -519,18 +486,15 @@
             <a:normAutofit/>
           </a:bodyPr>
           <a:p>
-            <a:endParaRPr b="0" lang="en" sz="1400" spc="-1" strike="noStrike">
-              <a:solidFill>
-                <a:srgbClr val="000000"/>
-              </a:solidFill>
-              <a:latin typeface="Arial"/>
-            </a:endParaRPr>
-          </a:p>
-        </p:txBody>
-      </p:sp>
-      <p:sp>
-        <p:nvSpPr>
-          <p:cNvPr id="39" name="PlaceHolder 6"/>
+            <a:endParaRPr b="0" lang="en" sz="3200" spc="-1" strike="noStrike">
+              <a:latin typeface="Arial"/>
+            </a:endParaRPr>
+          </a:p>
+        </p:txBody>
+      </p:sp>
+      <p:sp>
+        <p:nvSpPr>
+          <p:cNvPr id="36" name="PlaceHolder 6"/>
           <p:cNvSpPr>
             <a:spLocks noGrp="1"/>
           </p:cNvSpPr>
@@ -552,18 +516,15 @@
             <a:normAutofit/>
           </a:bodyPr>
           <a:p>
-            <a:endParaRPr b="0" lang="en" sz="1400" spc="-1" strike="noStrike">
-              <a:solidFill>
-                <a:srgbClr val="000000"/>
-              </a:solidFill>
-              <a:latin typeface="Arial"/>
-            </a:endParaRPr>
-          </a:p>
-        </p:txBody>
-      </p:sp>
-      <p:sp>
-        <p:nvSpPr>
-          <p:cNvPr id="40" name="PlaceHolder 7"/>
+            <a:endParaRPr b="0" lang="en" sz="3200" spc="-1" strike="noStrike">
+              <a:latin typeface="Arial"/>
+            </a:endParaRPr>
+          </a:p>
+        </p:txBody>
+      </p:sp>
+      <p:sp>
+        <p:nvSpPr>
+          <p:cNvPr id="37" name="PlaceHolder 7"/>
           <p:cNvSpPr>
             <a:spLocks noGrp="1"/>
           </p:cNvSpPr>
@@ -585,10 +546,7 @@
             <a:normAutofit/>
           </a:bodyPr>
           <a:p>
-            <a:endParaRPr b="0" lang="en" sz="1400" spc="-1" strike="noStrike">
-              <a:solidFill>
-                <a:srgbClr val="000000"/>
-              </a:solidFill>
+            <a:endParaRPr b="0" lang="en" sz="3200" spc="-1" strike="noStrike">
               <a:latin typeface="Arial"/>
             </a:endParaRPr>
           </a:p>
@@ -618,7 +576,7 @@
       </p:grpSpPr>
       <p:sp>
         <p:nvSpPr>
-          <p:cNvPr id="5" name="PlaceHolder 1"/>
+          <p:cNvPr id="2" name="PlaceHolder 1"/>
           <p:cNvSpPr>
             <a:spLocks noGrp="1"/>
           </p:cNvSpPr>
@@ -629,7 +587,7 @@
         <p:spPr>
           <a:xfrm>
             <a:off x="1523880" y="1122480"/>
-            <a:ext cx="9143640" cy="2387160"/>
+            <a:ext cx="9143280" cy="2386800"/>
           </a:xfrm>
           <a:prstGeom prst="rect">
             <a:avLst/>
@@ -640,18 +598,16 @@
             <a:noAutofit/>
           </a:bodyPr>
           <a:p>
-            <a:endParaRPr b="0" lang="en" sz="1400" spc="-1" strike="noStrike">
-              <a:solidFill>
-                <a:srgbClr val="000000"/>
-              </a:solidFill>
-              <a:latin typeface="Arial"/>
-            </a:endParaRPr>
-          </a:p>
-        </p:txBody>
-      </p:sp>
-      <p:sp>
-        <p:nvSpPr>
-          <p:cNvPr id="6" name="PlaceHolder 2"/>
+            <a:pPr algn="ctr"/>
+            <a:endParaRPr b="0" lang="en" sz="4400" spc="-1" strike="noStrike">
+              <a:latin typeface="Arial"/>
+            </a:endParaRPr>
+          </a:p>
+        </p:txBody>
+      </p:sp>
+      <p:sp>
+        <p:nvSpPr>
+          <p:cNvPr id="3" name="PlaceHolder 2"/>
           <p:cNvSpPr>
             <a:spLocks noGrp="1"/>
           </p:cNvSpPr>
@@ -704,7 +660,7 @@
       </p:grpSpPr>
       <p:sp>
         <p:nvSpPr>
-          <p:cNvPr id="7" name="PlaceHolder 1"/>
+          <p:cNvPr id="4" name="PlaceHolder 1"/>
           <p:cNvSpPr>
             <a:spLocks noGrp="1"/>
           </p:cNvSpPr>
@@ -715,7 +671,7 @@
         <p:spPr>
           <a:xfrm>
             <a:off x="1523880" y="1122480"/>
-            <a:ext cx="9143640" cy="2387160"/>
+            <a:ext cx="9143280" cy="2386800"/>
           </a:xfrm>
           <a:prstGeom prst="rect">
             <a:avLst/>
@@ -726,18 +682,16 @@
             <a:noAutofit/>
           </a:bodyPr>
           <a:p>
-            <a:endParaRPr b="0" lang="en" sz="1400" spc="-1" strike="noStrike">
-              <a:solidFill>
-                <a:srgbClr val="000000"/>
-              </a:solidFill>
-              <a:latin typeface="Arial"/>
-            </a:endParaRPr>
-          </a:p>
-        </p:txBody>
-      </p:sp>
-      <p:sp>
-        <p:nvSpPr>
-          <p:cNvPr id="8" name="PlaceHolder 2"/>
+            <a:pPr algn="ctr"/>
+            <a:endParaRPr b="0" lang="en" sz="4400" spc="-1" strike="noStrike">
+              <a:latin typeface="Arial"/>
+            </a:endParaRPr>
+          </a:p>
+        </p:txBody>
+      </p:sp>
+      <p:sp>
+        <p:nvSpPr>
+          <p:cNvPr id="5" name="PlaceHolder 2"/>
           <p:cNvSpPr>
             <a:spLocks noGrp="1"/>
           </p:cNvSpPr>
@@ -759,10 +713,7 @@
             <a:normAutofit/>
           </a:bodyPr>
           <a:p>
-            <a:endParaRPr b="0" lang="en" sz="1400" spc="-1" strike="noStrike">
-              <a:solidFill>
-                <a:srgbClr val="000000"/>
-              </a:solidFill>
+            <a:endParaRPr b="0" lang="en" sz="3200" spc="-1" strike="noStrike">
               <a:latin typeface="Arial"/>
             </a:endParaRPr>
           </a:p>
@@ -792,7 +743,7 @@
       </p:grpSpPr>
       <p:sp>
         <p:nvSpPr>
-          <p:cNvPr id="9" name="PlaceHolder 1"/>
+          <p:cNvPr id="6" name="PlaceHolder 1"/>
           <p:cNvSpPr>
             <a:spLocks noGrp="1"/>
           </p:cNvSpPr>
@@ -803,7 +754,7 @@
         <p:spPr>
           <a:xfrm>
             <a:off x="1523880" y="1122480"/>
-            <a:ext cx="9143640" cy="2387160"/>
+            <a:ext cx="9143280" cy="2386800"/>
           </a:xfrm>
           <a:prstGeom prst="rect">
             <a:avLst/>
@@ -814,18 +765,16 @@
             <a:noAutofit/>
           </a:bodyPr>
           <a:p>
-            <a:endParaRPr b="0" lang="en" sz="1400" spc="-1" strike="noStrike">
-              <a:solidFill>
-                <a:srgbClr val="000000"/>
-              </a:solidFill>
-              <a:latin typeface="Arial"/>
-            </a:endParaRPr>
-          </a:p>
-        </p:txBody>
-      </p:sp>
-      <p:sp>
-        <p:nvSpPr>
-          <p:cNvPr id="10" name="PlaceHolder 2"/>
+            <a:pPr algn="ctr"/>
+            <a:endParaRPr b="0" lang="en" sz="4400" spc="-1" strike="noStrike">
+              <a:latin typeface="Arial"/>
+            </a:endParaRPr>
+          </a:p>
+        </p:txBody>
+      </p:sp>
+      <p:sp>
+        <p:nvSpPr>
+          <p:cNvPr id="7" name="PlaceHolder 2"/>
           <p:cNvSpPr>
             <a:spLocks noGrp="1"/>
           </p:cNvSpPr>
@@ -847,18 +796,15 @@
             <a:normAutofit/>
           </a:bodyPr>
           <a:p>
-            <a:endParaRPr b="0" lang="en" sz="1400" spc="-1" strike="noStrike">
-              <a:solidFill>
-                <a:srgbClr val="000000"/>
-              </a:solidFill>
-              <a:latin typeface="Arial"/>
-            </a:endParaRPr>
-          </a:p>
-        </p:txBody>
-      </p:sp>
-      <p:sp>
-        <p:nvSpPr>
-          <p:cNvPr id="11" name="PlaceHolder 3"/>
+            <a:endParaRPr b="0" lang="en" sz="3200" spc="-1" strike="noStrike">
+              <a:latin typeface="Arial"/>
+            </a:endParaRPr>
+          </a:p>
+        </p:txBody>
+      </p:sp>
+      <p:sp>
+        <p:nvSpPr>
+          <p:cNvPr id="8" name="PlaceHolder 3"/>
           <p:cNvSpPr>
             <a:spLocks noGrp="1"/>
           </p:cNvSpPr>
@@ -880,10 +826,7 @@
             <a:normAutofit/>
           </a:bodyPr>
           <a:p>
-            <a:endParaRPr b="0" lang="en" sz="1400" spc="-1" strike="noStrike">
-              <a:solidFill>
-                <a:srgbClr val="000000"/>
-              </a:solidFill>
+            <a:endParaRPr b="0" lang="en" sz="3200" spc="-1" strike="noStrike">
               <a:latin typeface="Arial"/>
             </a:endParaRPr>
           </a:p>
@@ -913,7 +856,7 @@
       </p:grpSpPr>
       <p:sp>
         <p:nvSpPr>
-          <p:cNvPr id="12" name="PlaceHolder 1"/>
+          <p:cNvPr id="9" name="PlaceHolder 1"/>
           <p:cNvSpPr>
             <a:spLocks noGrp="1"/>
           </p:cNvSpPr>
@@ -924,7 +867,7 @@
         <p:spPr>
           <a:xfrm>
             <a:off x="1523880" y="1122480"/>
-            <a:ext cx="9143640" cy="2387160"/>
+            <a:ext cx="9143280" cy="2386800"/>
           </a:xfrm>
           <a:prstGeom prst="rect">
             <a:avLst/>
@@ -935,10 +878,8 @@
             <a:noAutofit/>
           </a:bodyPr>
           <a:p>
-            <a:endParaRPr b="0" lang="en" sz="1400" spc="-1" strike="noStrike">
-              <a:solidFill>
-                <a:srgbClr val="000000"/>
-              </a:solidFill>
+            <a:pPr algn="ctr"/>
+            <a:endParaRPr b="0" lang="en" sz="4400" spc="-1" strike="noStrike">
               <a:latin typeface="Arial"/>
             </a:endParaRPr>
           </a:p>
@@ -968,7 +909,7 @@
       </p:grpSpPr>
       <p:sp>
         <p:nvSpPr>
-          <p:cNvPr id="13" name="PlaceHolder 1"/>
+          <p:cNvPr id="10" name="PlaceHolder 1"/>
           <p:cNvSpPr>
             <a:spLocks noGrp="1"/>
           </p:cNvSpPr>
@@ -979,7 +920,7 @@
         <p:spPr>
           <a:xfrm>
             <a:off x="1523880" y="1122480"/>
-            <a:ext cx="9143640" cy="11066760"/>
+            <a:ext cx="9143280" cy="11064960"/>
           </a:xfrm>
           <a:prstGeom prst="rect">
             <a:avLst/>
@@ -1021,7 +962,7 @@
       </p:grpSpPr>
       <p:sp>
         <p:nvSpPr>
-          <p:cNvPr id="14" name="PlaceHolder 1"/>
+          <p:cNvPr id="11" name="PlaceHolder 1"/>
           <p:cNvSpPr>
             <a:spLocks noGrp="1"/>
           </p:cNvSpPr>
@@ -1032,7 +973,7 @@
         <p:spPr>
           <a:xfrm>
             <a:off x="1523880" y="1122480"/>
-            <a:ext cx="9143640" cy="2387160"/>
+            <a:ext cx="9143280" cy="2386800"/>
           </a:xfrm>
           <a:prstGeom prst="rect">
             <a:avLst/>
@@ -1043,18 +984,16 @@
             <a:noAutofit/>
           </a:bodyPr>
           <a:p>
-            <a:endParaRPr b="0" lang="en" sz="1400" spc="-1" strike="noStrike">
-              <a:solidFill>
-                <a:srgbClr val="000000"/>
-              </a:solidFill>
-              <a:latin typeface="Arial"/>
-            </a:endParaRPr>
-          </a:p>
-        </p:txBody>
-      </p:sp>
-      <p:sp>
-        <p:nvSpPr>
-          <p:cNvPr id="15" name="PlaceHolder 2"/>
+            <a:pPr algn="ctr"/>
+            <a:endParaRPr b="0" lang="en" sz="4400" spc="-1" strike="noStrike">
+              <a:latin typeface="Arial"/>
+            </a:endParaRPr>
+          </a:p>
+        </p:txBody>
+      </p:sp>
+      <p:sp>
+        <p:nvSpPr>
+          <p:cNvPr id="12" name="PlaceHolder 2"/>
           <p:cNvSpPr>
             <a:spLocks noGrp="1"/>
           </p:cNvSpPr>
@@ -1076,18 +1015,15 @@
             <a:normAutofit/>
           </a:bodyPr>
           <a:p>
-            <a:endParaRPr b="0" lang="en" sz="1400" spc="-1" strike="noStrike">
-              <a:solidFill>
-                <a:srgbClr val="000000"/>
-              </a:solidFill>
-              <a:latin typeface="Arial"/>
-            </a:endParaRPr>
-          </a:p>
-        </p:txBody>
-      </p:sp>
-      <p:sp>
-        <p:nvSpPr>
-          <p:cNvPr id="16" name="PlaceHolder 3"/>
+            <a:endParaRPr b="0" lang="en" sz="3200" spc="-1" strike="noStrike">
+              <a:latin typeface="Arial"/>
+            </a:endParaRPr>
+          </a:p>
+        </p:txBody>
+      </p:sp>
+      <p:sp>
+        <p:nvSpPr>
+          <p:cNvPr id="13" name="PlaceHolder 3"/>
           <p:cNvSpPr>
             <a:spLocks noGrp="1"/>
           </p:cNvSpPr>
@@ -1109,18 +1045,15 @@
             <a:normAutofit/>
           </a:bodyPr>
           <a:p>
-            <a:endParaRPr b="0" lang="en" sz="1400" spc="-1" strike="noStrike">
-              <a:solidFill>
-                <a:srgbClr val="000000"/>
-              </a:solidFill>
-              <a:latin typeface="Arial"/>
-            </a:endParaRPr>
-          </a:p>
-        </p:txBody>
-      </p:sp>
-      <p:sp>
-        <p:nvSpPr>
-          <p:cNvPr id="17" name="PlaceHolder 4"/>
+            <a:endParaRPr b="0" lang="en" sz="3200" spc="-1" strike="noStrike">
+              <a:latin typeface="Arial"/>
+            </a:endParaRPr>
+          </a:p>
+        </p:txBody>
+      </p:sp>
+      <p:sp>
+        <p:nvSpPr>
+          <p:cNvPr id="14" name="PlaceHolder 4"/>
           <p:cNvSpPr>
             <a:spLocks noGrp="1"/>
           </p:cNvSpPr>
@@ -1142,10 +1075,7 @@
             <a:normAutofit/>
           </a:bodyPr>
           <a:p>
-            <a:endParaRPr b="0" lang="en" sz="1400" spc="-1" strike="noStrike">
-              <a:solidFill>
-                <a:srgbClr val="000000"/>
-              </a:solidFill>
+            <a:endParaRPr b="0" lang="en" sz="3200" spc="-1" strike="noStrike">
               <a:latin typeface="Arial"/>
             </a:endParaRPr>
           </a:p>
@@ -1175,7 +1105,7 @@
       </p:grpSpPr>
       <p:sp>
         <p:nvSpPr>
-          <p:cNvPr id="18" name="PlaceHolder 1"/>
+          <p:cNvPr id="15" name="PlaceHolder 1"/>
           <p:cNvSpPr>
             <a:spLocks noGrp="1"/>
           </p:cNvSpPr>
@@ -1186,7 +1116,7 @@
         <p:spPr>
           <a:xfrm>
             <a:off x="1523880" y="1122480"/>
-            <a:ext cx="9143640" cy="2387160"/>
+            <a:ext cx="9143280" cy="2386800"/>
           </a:xfrm>
           <a:prstGeom prst="rect">
             <a:avLst/>
@@ -1197,18 +1127,16 @@
             <a:noAutofit/>
           </a:bodyPr>
           <a:p>
-            <a:endParaRPr b="0" lang="en" sz="1400" spc="-1" strike="noStrike">
-              <a:solidFill>
-                <a:srgbClr val="000000"/>
-              </a:solidFill>
-              <a:latin typeface="Arial"/>
-            </a:endParaRPr>
-          </a:p>
-        </p:txBody>
-      </p:sp>
-      <p:sp>
-        <p:nvSpPr>
-          <p:cNvPr id="19" name="PlaceHolder 2"/>
+            <a:pPr algn="ctr"/>
+            <a:endParaRPr b="0" lang="en" sz="4400" spc="-1" strike="noStrike">
+              <a:latin typeface="Arial"/>
+            </a:endParaRPr>
+          </a:p>
+        </p:txBody>
+      </p:sp>
+      <p:sp>
+        <p:nvSpPr>
+          <p:cNvPr id="16" name="PlaceHolder 2"/>
           <p:cNvSpPr>
             <a:spLocks noGrp="1"/>
           </p:cNvSpPr>
@@ -1230,18 +1158,15 @@
             <a:normAutofit/>
           </a:bodyPr>
           <a:p>
-            <a:endParaRPr b="0" lang="en" sz="1400" spc="-1" strike="noStrike">
-              <a:solidFill>
-                <a:srgbClr val="000000"/>
-              </a:solidFill>
-              <a:latin typeface="Arial"/>
-            </a:endParaRPr>
-          </a:p>
-        </p:txBody>
-      </p:sp>
-      <p:sp>
-        <p:nvSpPr>
-          <p:cNvPr id="20" name="PlaceHolder 3"/>
+            <a:endParaRPr b="0" lang="en" sz="3200" spc="-1" strike="noStrike">
+              <a:latin typeface="Arial"/>
+            </a:endParaRPr>
+          </a:p>
+        </p:txBody>
+      </p:sp>
+      <p:sp>
+        <p:nvSpPr>
+          <p:cNvPr id="17" name="PlaceHolder 3"/>
           <p:cNvSpPr>
             <a:spLocks noGrp="1"/>
           </p:cNvSpPr>
@@ -1263,18 +1188,15 @@
             <a:normAutofit/>
           </a:bodyPr>
           <a:p>
-            <a:endParaRPr b="0" lang="en" sz="1400" spc="-1" strike="noStrike">
-              <a:solidFill>
-                <a:srgbClr val="000000"/>
-              </a:solidFill>
-              <a:latin typeface="Arial"/>
-            </a:endParaRPr>
-          </a:p>
-        </p:txBody>
-      </p:sp>
-      <p:sp>
-        <p:nvSpPr>
-          <p:cNvPr id="21" name="PlaceHolder 4"/>
+            <a:endParaRPr b="0" lang="en" sz="3200" spc="-1" strike="noStrike">
+              <a:latin typeface="Arial"/>
+            </a:endParaRPr>
+          </a:p>
+        </p:txBody>
+      </p:sp>
+      <p:sp>
+        <p:nvSpPr>
+          <p:cNvPr id="18" name="PlaceHolder 4"/>
           <p:cNvSpPr>
             <a:spLocks noGrp="1"/>
           </p:cNvSpPr>
@@ -1296,10 +1218,7 @@
             <a:normAutofit/>
           </a:bodyPr>
           <a:p>
-            <a:endParaRPr b="0" lang="en" sz="1400" spc="-1" strike="noStrike">
-              <a:solidFill>
-                <a:srgbClr val="000000"/>
-              </a:solidFill>
+            <a:endParaRPr b="0" lang="en" sz="3200" spc="-1" strike="noStrike">
               <a:latin typeface="Arial"/>
             </a:endParaRPr>
           </a:p>
@@ -1329,7 +1248,7 @@
       </p:grpSpPr>
       <p:sp>
         <p:nvSpPr>
-          <p:cNvPr id="22" name="PlaceHolder 1"/>
+          <p:cNvPr id="19" name="PlaceHolder 1"/>
           <p:cNvSpPr>
             <a:spLocks noGrp="1"/>
           </p:cNvSpPr>
@@ -1340,7 +1259,7 @@
         <p:spPr>
           <a:xfrm>
             <a:off x="1523880" y="1122480"/>
-            <a:ext cx="9143640" cy="2387160"/>
+            <a:ext cx="9143280" cy="2386800"/>
           </a:xfrm>
           <a:prstGeom prst="rect">
             <a:avLst/>
@@ -1351,18 +1270,16 @@
             <a:noAutofit/>
           </a:bodyPr>
           <a:p>
-            <a:endParaRPr b="0" lang="en" sz="1400" spc="-1" strike="noStrike">
-              <a:solidFill>
-                <a:srgbClr val="000000"/>
-              </a:solidFill>
-              <a:latin typeface="Arial"/>
-            </a:endParaRPr>
-          </a:p>
-        </p:txBody>
-      </p:sp>
-      <p:sp>
-        <p:nvSpPr>
-          <p:cNvPr id="23" name="PlaceHolder 2"/>
+            <a:pPr algn="ctr"/>
+            <a:endParaRPr b="0" lang="en" sz="4400" spc="-1" strike="noStrike">
+              <a:latin typeface="Arial"/>
+            </a:endParaRPr>
+          </a:p>
+        </p:txBody>
+      </p:sp>
+      <p:sp>
+        <p:nvSpPr>
+          <p:cNvPr id="20" name="PlaceHolder 2"/>
           <p:cNvSpPr>
             <a:spLocks noGrp="1"/>
           </p:cNvSpPr>
@@ -1384,18 +1301,15 @@
             <a:normAutofit/>
           </a:bodyPr>
           <a:p>
-            <a:endParaRPr b="0" lang="en" sz="1400" spc="-1" strike="noStrike">
-              <a:solidFill>
-                <a:srgbClr val="000000"/>
-              </a:solidFill>
-              <a:latin typeface="Arial"/>
-            </a:endParaRPr>
-          </a:p>
-        </p:txBody>
-      </p:sp>
-      <p:sp>
-        <p:nvSpPr>
-          <p:cNvPr id="24" name="PlaceHolder 3"/>
+            <a:endParaRPr b="0" lang="en" sz="3200" spc="-1" strike="noStrike">
+              <a:latin typeface="Arial"/>
+            </a:endParaRPr>
+          </a:p>
+        </p:txBody>
+      </p:sp>
+      <p:sp>
+        <p:nvSpPr>
+          <p:cNvPr id="21" name="PlaceHolder 3"/>
           <p:cNvSpPr>
             <a:spLocks noGrp="1"/>
           </p:cNvSpPr>
@@ -1417,18 +1331,15 @@
             <a:normAutofit/>
           </a:bodyPr>
           <a:p>
-            <a:endParaRPr b="0" lang="en" sz="1400" spc="-1" strike="noStrike">
-              <a:solidFill>
-                <a:srgbClr val="000000"/>
-              </a:solidFill>
-              <a:latin typeface="Arial"/>
-            </a:endParaRPr>
-          </a:p>
-        </p:txBody>
-      </p:sp>
-      <p:sp>
-        <p:nvSpPr>
-          <p:cNvPr id="25" name="PlaceHolder 4"/>
+            <a:endParaRPr b="0" lang="en" sz="3200" spc="-1" strike="noStrike">
+              <a:latin typeface="Arial"/>
+            </a:endParaRPr>
+          </a:p>
+        </p:txBody>
+      </p:sp>
+      <p:sp>
+        <p:nvSpPr>
+          <p:cNvPr id="22" name="PlaceHolder 4"/>
           <p:cNvSpPr>
             <a:spLocks noGrp="1"/>
           </p:cNvSpPr>
@@ -1450,10 +1361,7 @@
             <a:normAutofit/>
           </a:bodyPr>
           <a:p>
-            <a:endParaRPr b="0" lang="en" sz="1400" spc="-1" strike="noStrike">
-              <a:solidFill>
-                <a:srgbClr val="000000"/>
-              </a:solidFill>
+            <a:endParaRPr b="0" lang="en" sz="3200" spc="-1" strike="noStrike">
               <a:latin typeface="Arial"/>
             </a:endParaRPr>
           </a:p>
@@ -1501,336 +1409,24 @@
         <p:spPr>
           <a:xfrm>
             <a:off x="1523880" y="1122480"/>
-            <a:ext cx="9143640" cy="2387160"/>
-          </a:xfrm>
-          <a:prstGeom prst="rect">
-            <a:avLst/>
-          </a:prstGeom>
-        </p:spPr>
-        <p:txBody>
-          <a:bodyPr anchor="b">
-            <a:normAutofit/>
+            <a:ext cx="9143280" cy="2386800"/>
+          </a:xfrm>
+          <a:prstGeom prst="rect">
+            <a:avLst/>
+          </a:prstGeom>
+        </p:spPr>
+        <p:txBody>
+          <a:bodyPr lIns="0" rIns="0" tIns="0" bIns="0" anchor="ctr">
+            <a:noAutofit/>
           </a:bodyPr>
           <a:p>
             <a:r>
-              <a:rPr b="0" lang="en" sz="6000" spc="-1" strike="noStrike">
-                <a:solidFill>
-                  <a:srgbClr val="000000"/>
-                </a:solidFill>
+              <a:rPr b="0" lang="en" sz="1800" spc="-1" strike="noStrike">
                 <a:latin typeface="Arial"/>
               </a:rPr>
-              <a:t>C</a:t>
+              <a:t>Click to edit the title text format</a:t>
             </a:r>
-            <a:r>
-              <a:rPr b="0" lang="en" sz="6000" spc="-1" strike="noStrike">
-                <a:solidFill>
-                  <a:srgbClr val="000000"/>
-                </a:solidFill>
-                <a:latin typeface="Arial"/>
-              </a:rPr>
-              <a:t>l</a:t>
-            </a:r>
-            <a:r>
-              <a:rPr b="0" lang="en" sz="6000" spc="-1" strike="noStrike">
-                <a:solidFill>
-                  <a:srgbClr val="000000"/>
-                </a:solidFill>
-                <a:latin typeface="Arial"/>
-              </a:rPr>
-              <a:t>i</a:t>
-            </a:r>
-            <a:r>
-              <a:rPr b="0" lang="en" sz="6000" spc="-1" strike="noStrike">
-                <a:solidFill>
-                  <a:srgbClr val="000000"/>
-                </a:solidFill>
-                <a:latin typeface="Arial"/>
-              </a:rPr>
-              <a:t>c</a:t>
-            </a:r>
-            <a:r>
-              <a:rPr b="0" lang="en" sz="6000" spc="-1" strike="noStrike">
-                <a:solidFill>
-                  <a:srgbClr val="000000"/>
-                </a:solidFill>
-                <a:latin typeface="Arial"/>
-              </a:rPr>
-              <a:t>k</a:t>
-            </a:r>
-            <a:r>
-              <a:rPr b="0" lang="en" sz="6000" spc="-1" strike="noStrike">
-                <a:solidFill>
-                  <a:srgbClr val="000000"/>
-                </a:solidFill>
-                <a:latin typeface="Arial"/>
-              </a:rPr>
-              <a:t> </a:t>
-            </a:r>
-            <a:r>
-              <a:rPr b="0" lang="en" sz="6000" spc="-1" strike="noStrike">
-                <a:solidFill>
-                  <a:srgbClr val="000000"/>
-                </a:solidFill>
-                <a:latin typeface="Arial"/>
-              </a:rPr>
-              <a:t>t</a:t>
-            </a:r>
-            <a:r>
-              <a:rPr b="0" lang="en" sz="6000" spc="-1" strike="noStrike">
-                <a:solidFill>
-                  <a:srgbClr val="000000"/>
-                </a:solidFill>
-                <a:latin typeface="Arial"/>
-              </a:rPr>
-              <a:t>o</a:t>
-            </a:r>
-            <a:r>
-              <a:rPr b="0" lang="en" sz="6000" spc="-1" strike="noStrike">
-                <a:solidFill>
-                  <a:srgbClr val="000000"/>
-                </a:solidFill>
-                <a:latin typeface="Arial"/>
-              </a:rPr>
-              <a:t> </a:t>
-            </a:r>
-            <a:r>
-              <a:rPr b="0" lang="en" sz="6000" spc="-1" strike="noStrike">
-                <a:solidFill>
-                  <a:srgbClr val="000000"/>
-                </a:solidFill>
-                <a:latin typeface="Arial"/>
-              </a:rPr>
-              <a:t>e</a:t>
-            </a:r>
-            <a:r>
-              <a:rPr b="0" lang="en" sz="6000" spc="-1" strike="noStrike">
-                <a:solidFill>
-                  <a:srgbClr val="000000"/>
-                </a:solidFill>
-                <a:latin typeface="Arial"/>
-              </a:rPr>
-              <a:t>d</a:t>
-            </a:r>
-            <a:r>
-              <a:rPr b="0" lang="en" sz="6000" spc="-1" strike="noStrike">
-                <a:solidFill>
-                  <a:srgbClr val="000000"/>
-                </a:solidFill>
-                <a:latin typeface="Arial"/>
-              </a:rPr>
-              <a:t>i</a:t>
-            </a:r>
-            <a:r>
-              <a:rPr b="0" lang="en" sz="6000" spc="-1" strike="noStrike">
-                <a:solidFill>
-                  <a:srgbClr val="000000"/>
-                </a:solidFill>
-                <a:latin typeface="Arial"/>
-              </a:rPr>
-              <a:t>t</a:t>
-            </a:r>
-            <a:r>
-              <a:rPr b="0" lang="en" sz="6000" spc="-1" strike="noStrike">
-                <a:solidFill>
-                  <a:srgbClr val="000000"/>
-                </a:solidFill>
-                <a:latin typeface="Arial"/>
-              </a:rPr>
-              <a:t> </a:t>
-            </a:r>
-            <a:r>
-              <a:rPr b="0" lang="en" sz="6000" spc="-1" strike="noStrike">
-                <a:solidFill>
-                  <a:srgbClr val="000000"/>
-                </a:solidFill>
-                <a:latin typeface="Arial"/>
-              </a:rPr>
-              <a:t>t</a:t>
-            </a:r>
-            <a:r>
-              <a:rPr b="0" lang="en" sz="6000" spc="-1" strike="noStrike">
-                <a:solidFill>
-                  <a:srgbClr val="000000"/>
-                </a:solidFill>
-                <a:latin typeface="Arial"/>
-              </a:rPr>
-              <a:t>h</a:t>
-            </a:r>
-            <a:r>
-              <a:rPr b="0" lang="en" sz="6000" spc="-1" strike="noStrike">
-                <a:solidFill>
-                  <a:srgbClr val="000000"/>
-                </a:solidFill>
-                <a:latin typeface="Arial"/>
-              </a:rPr>
-              <a:t>e</a:t>
-            </a:r>
-            <a:r>
-              <a:rPr b="0" lang="en" sz="6000" spc="-1" strike="noStrike">
-                <a:solidFill>
-                  <a:srgbClr val="000000"/>
-                </a:solidFill>
-                <a:latin typeface="Arial"/>
-              </a:rPr>
-              <a:t> </a:t>
-            </a:r>
-            <a:r>
-              <a:rPr b="0" lang="en" sz="6000" spc="-1" strike="noStrike">
-                <a:solidFill>
-                  <a:srgbClr val="000000"/>
-                </a:solidFill>
-                <a:latin typeface="Arial"/>
-              </a:rPr>
-              <a:t>t</a:t>
-            </a:r>
-            <a:r>
-              <a:rPr b="0" lang="en" sz="6000" spc="-1" strike="noStrike">
-                <a:solidFill>
-                  <a:srgbClr val="000000"/>
-                </a:solidFill>
-                <a:latin typeface="Arial"/>
-              </a:rPr>
-              <a:t>i</a:t>
-            </a:r>
-            <a:r>
-              <a:rPr b="0" lang="en" sz="6000" spc="-1" strike="noStrike">
-                <a:solidFill>
-                  <a:srgbClr val="000000"/>
-                </a:solidFill>
-                <a:latin typeface="Arial"/>
-              </a:rPr>
-              <a:t>t</a:t>
-            </a:r>
-            <a:r>
-              <a:rPr b="0" lang="en" sz="6000" spc="-1" strike="noStrike">
-                <a:solidFill>
-                  <a:srgbClr val="000000"/>
-                </a:solidFill>
-                <a:latin typeface="Arial"/>
-              </a:rPr>
-              <a:t>l</a:t>
-            </a:r>
-            <a:r>
-              <a:rPr b="0" lang="en" sz="6000" spc="-1" strike="noStrike">
-                <a:solidFill>
-                  <a:srgbClr val="000000"/>
-                </a:solidFill>
-                <a:latin typeface="Arial"/>
-              </a:rPr>
-              <a:t>e</a:t>
-            </a:r>
-            <a:r>
-              <a:rPr b="0" lang="en" sz="6000" spc="-1" strike="noStrike">
-                <a:solidFill>
-                  <a:srgbClr val="000000"/>
-                </a:solidFill>
-                <a:latin typeface="Arial"/>
-              </a:rPr>
-              <a:t> </a:t>
-            </a:r>
-            <a:r>
-              <a:rPr b="0" lang="en" sz="6000" spc="-1" strike="noStrike">
-                <a:solidFill>
-                  <a:srgbClr val="000000"/>
-                </a:solidFill>
-                <a:latin typeface="Arial"/>
-              </a:rPr>
-              <a:t>t</a:t>
-            </a:r>
-            <a:r>
-              <a:rPr b="0" lang="en" sz="6000" spc="-1" strike="noStrike">
-                <a:solidFill>
-                  <a:srgbClr val="000000"/>
-                </a:solidFill>
-                <a:latin typeface="Arial"/>
-              </a:rPr>
-              <a:t>e</a:t>
-            </a:r>
-            <a:r>
-              <a:rPr b="0" lang="en" sz="6000" spc="-1" strike="noStrike">
-                <a:solidFill>
-                  <a:srgbClr val="000000"/>
-                </a:solidFill>
-                <a:latin typeface="Arial"/>
-              </a:rPr>
-              <a:t>x</a:t>
-            </a:r>
-            <a:r>
-              <a:rPr b="0" lang="en" sz="6000" spc="-1" strike="noStrike">
-                <a:solidFill>
-                  <a:srgbClr val="000000"/>
-                </a:solidFill>
-                <a:latin typeface="Arial"/>
-              </a:rPr>
-              <a:t>t</a:t>
-            </a:r>
-            <a:r>
-              <a:rPr b="0" lang="en" sz="6000" spc="-1" strike="noStrike">
-                <a:solidFill>
-                  <a:srgbClr val="000000"/>
-                </a:solidFill>
-                <a:latin typeface="Arial"/>
-              </a:rPr>
-              <a:t> </a:t>
-            </a:r>
-            <a:r>
-              <a:rPr b="0" lang="en" sz="6000" spc="-1" strike="noStrike">
-                <a:solidFill>
-                  <a:srgbClr val="000000"/>
-                </a:solidFill>
-                <a:latin typeface="Arial"/>
-              </a:rPr>
-              <a:t>f</a:t>
-            </a:r>
-            <a:r>
-              <a:rPr b="0" lang="en" sz="6000" spc="-1" strike="noStrike">
-                <a:solidFill>
-                  <a:srgbClr val="000000"/>
-                </a:solidFill>
-                <a:latin typeface="Arial"/>
-              </a:rPr>
-              <a:t>o</a:t>
-            </a:r>
-            <a:r>
-              <a:rPr b="0" lang="en" sz="6000" spc="-1" strike="noStrike">
-                <a:solidFill>
-                  <a:srgbClr val="000000"/>
-                </a:solidFill>
-                <a:latin typeface="Arial"/>
-              </a:rPr>
-              <a:t>r</a:t>
-            </a:r>
-            <a:r>
-              <a:rPr b="0" lang="en" sz="6000" spc="-1" strike="noStrike">
-                <a:solidFill>
-                  <a:srgbClr val="000000"/>
-                </a:solidFill>
-                <a:latin typeface="Arial"/>
-              </a:rPr>
-              <a:t>m</a:t>
-            </a:r>
-            <a:r>
-              <a:rPr b="0" lang="en" sz="6000" spc="-1" strike="noStrike">
-                <a:solidFill>
-                  <a:srgbClr val="000000"/>
-                </a:solidFill>
-                <a:latin typeface="Arial"/>
-              </a:rPr>
-              <a:t>a</a:t>
-            </a:r>
-            <a:r>
-              <a:rPr b="0" lang="en" sz="6000" spc="-1" strike="noStrike">
-                <a:solidFill>
-                  <a:srgbClr val="000000"/>
-                </a:solidFill>
-                <a:latin typeface="Arial"/>
-              </a:rPr>
-              <a:t>t</a:t>
-            </a:r>
-            <a:endParaRPr b="0" lang="en" sz="6000" spc="-1" strike="noStrike">
-              <a:solidFill>
-                <a:srgbClr val="000000"/>
-              </a:solidFill>
+            <a:endParaRPr b="0" lang="en" sz="1800" spc="-1" strike="noStrike">
               <a:latin typeface="Arial"/>
             </a:endParaRPr>
           </a:p>
@@ -1839,114 +1435,6 @@
       <p:sp>
         <p:nvSpPr>
           <p:cNvPr id="1" name="PlaceHolder 2"/>
-          <p:cNvSpPr>
-            <a:spLocks noGrp="1"/>
-          </p:cNvSpPr>
-          <p:nvPr>
-            <p:ph type="dt"/>
-          </p:nvPr>
-        </p:nvSpPr>
-        <p:spPr>
-          <a:xfrm>
-            <a:off x="838080" y="6356520"/>
-            <a:ext cx="2742840" cy="364680"/>
-          </a:xfrm>
-          <a:prstGeom prst="rect">
-            <a:avLst/>
-          </a:prstGeom>
-        </p:spPr>
-        <p:txBody>
-          <a:bodyPr anchor="ctr">
-            <a:noAutofit/>
-          </a:bodyPr>
-          <a:p>
-            <a:endParaRPr b="0" lang="en" sz="2400" spc="-1" strike="noStrike">
-              <a:latin typeface="Times New Roman"/>
-            </a:endParaRPr>
-          </a:p>
-        </p:txBody>
-      </p:sp>
-      <p:sp>
-        <p:nvSpPr>
-          <p:cNvPr id="2" name="PlaceHolder 3"/>
-          <p:cNvSpPr>
-            <a:spLocks noGrp="1"/>
-          </p:cNvSpPr>
-          <p:nvPr>
-            <p:ph type="ftr"/>
-          </p:nvPr>
-        </p:nvSpPr>
-        <p:spPr>
-          <a:xfrm>
-            <a:off x="4038480" y="6356520"/>
-            <a:ext cx="4114440" cy="364680"/>
-          </a:xfrm>
-          <a:prstGeom prst="rect">
-            <a:avLst/>
-          </a:prstGeom>
-        </p:spPr>
-        <p:txBody>
-          <a:bodyPr anchor="ctr">
-            <a:noAutofit/>
-          </a:bodyPr>
-          <a:p>
-            <a:endParaRPr b="0" lang="en" sz="2400" spc="-1" strike="noStrike">
-              <a:latin typeface="Times New Roman"/>
-            </a:endParaRPr>
-          </a:p>
-        </p:txBody>
-      </p:sp>
-      <p:sp>
-        <p:nvSpPr>
-          <p:cNvPr id="3" name="PlaceHolder 4"/>
-          <p:cNvSpPr>
-            <a:spLocks noGrp="1"/>
-          </p:cNvSpPr>
-          <p:nvPr>
-            <p:ph type="sldNum"/>
-          </p:nvPr>
-        </p:nvSpPr>
-        <p:spPr>
-          <a:xfrm>
-            <a:off x="8610480" y="6356520"/>
-            <a:ext cx="2742840" cy="364680"/>
-          </a:xfrm>
-          <a:prstGeom prst="rect">
-            <a:avLst/>
-          </a:prstGeom>
-        </p:spPr>
-        <p:txBody>
-          <a:bodyPr anchor="ctr">
-            <a:noAutofit/>
-          </a:bodyPr>
-          <a:p>
-            <a:pPr algn="r">
-              <a:lnSpc>
-                <a:spcPct val="100000"/>
-              </a:lnSpc>
-              <a:tabLst>
-                <a:tab algn="l" pos="0"/>
-              </a:tabLst>
-            </a:pPr>
-            <a:fld id="{BE8A428C-83D0-489E-8974-697354C80680}" type="slidenum">
-              <a:rPr b="0" lang="en" sz="1200" spc="-1" strike="noStrike">
-                <a:solidFill>
-                  <a:srgbClr val="888888"/>
-                </a:solidFill>
-                <a:latin typeface="Calibri"/>
-                <a:ea typeface="Calibri"/>
-              </a:rPr>
-              <a:t>&lt;number&gt;</a:t>
-            </a:fld>
-            <a:endParaRPr b="0" lang="en" sz="1200" spc="-1" strike="noStrike">
-              <a:latin typeface="Times New Roman"/>
-            </a:endParaRPr>
-          </a:p>
-        </p:txBody>
-      </p:sp>
-      <p:sp>
-        <p:nvSpPr>
-          <p:cNvPr id="4" name="PlaceHolder 5"/>
           <p:cNvSpPr>
             <a:spLocks noGrp="1"/>
           </p:cNvSpPr>
@@ -1980,18 +1468,12 @@
               <a:buChar char=""/>
             </a:pPr>
             <a:r>
-              <a:rPr b="0" lang="en" sz="1400" spc="-1" strike="noStrike">
-                <a:solidFill>
-                  <a:srgbClr val="000000"/>
-                </a:solidFill>
+              <a:rPr b="0" lang="en" sz="3200" spc="-1" strike="noStrike">
                 <a:latin typeface="Arial"/>
               </a:rPr>
               <a:t>Click to edit the outline text format</a:t>
             </a:r>
-            <a:endParaRPr b="0" lang="en" sz="1400" spc="-1" strike="noStrike">
-              <a:solidFill>
-                <a:srgbClr val="000000"/>
-              </a:solidFill>
+            <a:endParaRPr b="0" lang="en" sz="3200" spc="-1" strike="noStrike">
               <a:latin typeface="Arial"/>
             </a:endParaRPr>
           </a:p>
@@ -2008,18 +1490,12 @@
               <a:buChar char=""/>
             </a:pPr>
             <a:r>
-              <a:rPr b="0" lang="en" sz="1400" spc="-1" strike="noStrike">
-                <a:solidFill>
-                  <a:srgbClr val="000000"/>
-                </a:solidFill>
+              <a:rPr b="0" lang="en" sz="2800" spc="-1" strike="noStrike">
                 <a:latin typeface="Arial"/>
               </a:rPr>
               <a:t>Second Outline Level</a:t>
             </a:r>
-            <a:endParaRPr b="0" lang="en" sz="1400" spc="-1" strike="noStrike">
-              <a:solidFill>
-                <a:srgbClr val="000000"/>
-              </a:solidFill>
+            <a:endParaRPr b="0" lang="en" sz="2800" spc="-1" strike="noStrike">
               <a:latin typeface="Arial"/>
             </a:endParaRPr>
           </a:p>
@@ -2036,18 +1512,12 @@
               <a:buChar char=""/>
             </a:pPr>
             <a:r>
-              <a:rPr b="0" lang="en" sz="1400" spc="-1" strike="noStrike">
-                <a:solidFill>
-                  <a:srgbClr val="000000"/>
-                </a:solidFill>
+              <a:rPr b="0" lang="en" sz="2400" spc="-1" strike="noStrike">
                 <a:latin typeface="Arial"/>
               </a:rPr>
               <a:t>Third Outline Level</a:t>
             </a:r>
-            <a:endParaRPr b="0" lang="en" sz="1400" spc="-1" strike="noStrike">
-              <a:solidFill>
-                <a:srgbClr val="000000"/>
-              </a:solidFill>
+            <a:endParaRPr b="0" lang="en" sz="2400" spc="-1" strike="noStrike">
               <a:latin typeface="Arial"/>
             </a:endParaRPr>
           </a:p>
@@ -2064,18 +1534,12 @@
               <a:buChar char=""/>
             </a:pPr>
             <a:r>
-              <a:rPr b="0" lang="en" sz="1400" spc="-1" strike="noStrike">
-                <a:solidFill>
-                  <a:srgbClr val="000000"/>
-                </a:solidFill>
+              <a:rPr b="0" lang="en" sz="2000" spc="-1" strike="noStrike">
                 <a:latin typeface="Arial"/>
               </a:rPr>
               <a:t>Fourth Outline Level</a:t>
             </a:r>
-            <a:endParaRPr b="0" lang="en" sz="1400" spc="-1" strike="noStrike">
-              <a:solidFill>
-                <a:srgbClr val="000000"/>
-              </a:solidFill>
+            <a:endParaRPr b="0" lang="en" sz="2000" spc="-1" strike="noStrike">
               <a:latin typeface="Arial"/>
             </a:endParaRPr>
           </a:p>
@@ -2093,17 +1557,11 @@
             </a:pPr>
             <a:r>
               <a:rPr b="0" lang="en" sz="2000" spc="-1" strike="noStrike">
-                <a:solidFill>
-                  <a:srgbClr val="000000"/>
-                </a:solidFill>
                 <a:latin typeface="Arial"/>
               </a:rPr>
               <a:t>Fifth Outline Level</a:t>
             </a:r>
             <a:endParaRPr b="0" lang="en" sz="2000" spc="-1" strike="noStrike">
-              <a:solidFill>
-                <a:srgbClr val="000000"/>
-              </a:solidFill>
               <a:latin typeface="Arial"/>
             </a:endParaRPr>
           </a:p>
@@ -2121,17 +1579,11 @@
             </a:pPr>
             <a:r>
               <a:rPr b="0" lang="en" sz="2000" spc="-1" strike="noStrike">
-                <a:solidFill>
-                  <a:srgbClr val="000000"/>
-                </a:solidFill>
                 <a:latin typeface="Arial"/>
               </a:rPr>
               <a:t>Sixth Outline Level</a:t>
             </a:r>
             <a:endParaRPr b="0" lang="en" sz="2000" spc="-1" strike="noStrike">
-              <a:solidFill>
-                <a:srgbClr val="000000"/>
-              </a:solidFill>
               <a:latin typeface="Arial"/>
             </a:endParaRPr>
           </a:p>
@@ -2149,17 +1601,11 @@
             </a:pPr>
             <a:r>
               <a:rPr b="0" lang="en" sz="2000" spc="-1" strike="noStrike">
-                <a:solidFill>
-                  <a:srgbClr val="000000"/>
-                </a:solidFill>
                 <a:latin typeface="Arial"/>
               </a:rPr>
               <a:t>Seventh Outline Level</a:t>
             </a:r>
             <a:endParaRPr b="0" lang="en" sz="2000" spc="-1" strike="noStrike">
-              <a:solidFill>
-                <a:srgbClr val="000000"/>
-              </a:solidFill>
               <a:latin typeface="Arial"/>
             </a:endParaRPr>
           </a:p>
@@ -2204,14 +1650,14 @@
       </p:grpSpPr>
       <p:sp>
         <p:nvSpPr>
-          <p:cNvPr id="41" name="CustomShape 1"/>
+          <p:cNvPr id="38" name="CustomShape 1"/>
           <p:cNvSpPr/>
           <p:nvPr/>
         </p:nvSpPr>
         <p:spPr>
           <a:xfrm>
             <a:off x="1080" y="0"/>
-            <a:ext cx="12191760" cy="6857640"/>
+            <a:ext cx="12191400" cy="6857280"/>
           </a:xfrm>
           <a:prstGeom prst="rect">
             <a:avLst/>
@@ -2235,14 +1681,14 @@
       </p:sp>
       <p:sp>
         <p:nvSpPr>
-          <p:cNvPr id="42" name="CustomShape 2"/>
+          <p:cNvPr id="39" name="CustomShape 2"/>
           <p:cNvSpPr/>
           <p:nvPr/>
         </p:nvSpPr>
         <p:spPr>
           <a:xfrm>
             <a:off x="-101520" y="4553640"/>
-            <a:ext cx="12404160" cy="2321280"/>
+            <a:ext cx="12403800" cy="2320920"/>
           </a:xfrm>
           <a:prstGeom prst="roundRect">
             <a:avLst>
@@ -2265,7 +1711,7 @@
       </p:sp>
       <p:pic>
         <p:nvPicPr>
-          <p:cNvPr id="43" name="Google Shape;86;p13" descr=""/>
+          <p:cNvPr id="40" name="Google Shape;86;p13" descr=""/>
           <p:cNvPicPr/>
           <p:nvPr/>
         </p:nvPicPr>
@@ -2276,7 +1722,7 @@
         <p:spPr>
           <a:xfrm>
             <a:off x="655920" y="5218200"/>
-            <a:ext cx="10879920" cy="928800"/>
+            <a:ext cx="10879560" cy="928440"/>
           </a:xfrm>
           <a:prstGeom prst="rect">
             <a:avLst/>
@@ -2288,7 +1734,7 @@
       </p:pic>
       <p:pic>
         <p:nvPicPr>
-          <p:cNvPr id="44" name="Google Shape;87;p13" descr="A picture containing text, clipart&#10;&#10;Description automatically generated"/>
+          <p:cNvPr id="41" name="Google Shape;87;p13" descr="A picture containing text, clipart&#10;&#10;Description automatically generated"/>
           <p:cNvPicPr/>
           <p:nvPr/>
         </p:nvPicPr>
@@ -2299,7 +1745,7 @@
         <p:spPr>
           <a:xfrm>
             <a:off x="9279000" y="347760"/>
-            <a:ext cx="2437560" cy="612720"/>
+            <a:ext cx="2437200" cy="612360"/>
           </a:xfrm>
           <a:prstGeom prst="rect">
             <a:avLst/>
@@ -2311,7 +1757,7 @@
       </p:pic>
       <p:pic>
         <p:nvPicPr>
-          <p:cNvPr id="45" name="Google Shape;88;p13" descr=""/>
+          <p:cNvPr id="42" name="Google Shape;88;p13" descr=""/>
           <p:cNvPicPr/>
           <p:nvPr/>
         </p:nvPicPr>
@@ -2322,7 +1768,7 @@
         <p:spPr>
           <a:xfrm>
             <a:off x="9058680" y="3140280"/>
-            <a:ext cx="2199240" cy="1846080"/>
+            <a:ext cx="2198880" cy="1845720"/>
           </a:xfrm>
           <a:prstGeom prst="rect">
             <a:avLst/>
@@ -2334,14 +1780,14 @@
       </p:pic>
       <p:sp>
         <p:nvSpPr>
-          <p:cNvPr id="46" name="CustomShape 3"/>
+          <p:cNvPr id="43" name="CustomShape 3"/>
           <p:cNvSpPr/>
           <p:nvPr/>
         </p:nvSpPr>
         <p:spPr>
           <a:xfrm>
             <a:off x="-217080" y="7338240"/>
-            <a:ext cx="12404160" cy="673920"/>
+            <a:ext cx="12403800" cy="673560"/>
           </a:xfrm>
           <a:prstGeom prst="roundRect">
             <a:avLst>
@@ -2364,7 +1810,7 @@
       </p:sp>
       <p:pic>
         <p:nvPicPr>
-          <p:cNvPr id="47" name="Google Shape;90;p13" descr="Logo&#10;&#10;Description automatically generated"/>
+          <p:cNvPr id="44" name="Google Shape;90;p13" descr="Logo&#10;&#10;Description automatically generated"/>
           <p:cNvPicPr/>
           <p:nvPr/>
         </p:nvPicPr>
@@ -2376,7 +1822,7 @@
         <p:spPr>
           <a:xfrm>
             <a:off x="0" y="960480"/>
-            <a:ext cx="2912760" cy="3533400"/>
+            <a:ext cx="2912400" cy="3533040"/>
           </a:xfrm>
           <a:prstGeom prst="rect">
             <a:avLst/>
@@ -2388,14 +1834,14 @@
       </p:pic>
       <p:sp>
         <p:nvSpPr>
-          <p:cNvPr id="48" name="TextShape 4"/>
-          <p:cNvSpPr txBox="1"/>
+          <p:cNvPr id="45" name="CustomShape 4"/>
+          <p:cNvSpPr/>
           <p:nvPr/>
         </p:nvSpPr>
         <p:spPr>
           <a:xfrm>
             <a:off x="0" y="1805040"/>
-            <a:ext cx="12187080" cy="998280"/>
+            <a:ext cx="12186720" cy="997920"/>
           </a:xfrm>
           <a:prstGeom prst="rect">
             <a:avLst/>
@@ -2405,8 +1851,14 @@
             <a:noFill/>
           </a:ln>
         </p:spPr>
-        <p:txBody>
-          <a:bodyPr>
+        <p:style>
+          <a:lnRef idx="0"/>
+          <a:fillRef idx="0"/>
+          <a:effectRef idx="0"/>
+          <a:fontRef idx="minor"/>
+        </p:style>
+        <p:txBody>
+          <a:bodyPr lIns="90000" rIns="90000" tIns="45000" bIns="45000">
             <a:normAutofit fontScale="77000"/>
           </a:bodyPr>
           <a:p>
@@ -2466,14 +1918,14 @@
       </p:grpSpPr>
       <p:sp>
         <p:nvSpPr>
-          <p:cNvPr id="49" name="CustomShape 1"/>
+          <p:cNvPr id="46" name="CustomShape 1"/>
           <p:cNvSpPr/>
           <p:nvPr/>
         </p:nvSpPr>
         <p:spPr>
           <a:xfrm>
             <a:off x="1080" y="0"/>
-            <a:ext cx="12191760" cy="5448960"/>
+            <a:ext cx="12191400" cy="5448600"/>
           </a:xfrm>
           <a:prstGeom prst="rect">
             <a:avLst/>
@@ -2494,7 +1946,7 @@
       </p:sp>
       <p:pic>
         <p:nvPicPr>
-          <p:cNvPr id="50" name="Google Shape;108;p15" descr=""/>
+          <p:cNvPr id="47" name="Google Shape;108;p15_0" descr=""/>
           <p:cNvPicPr/>
           <p:nvPr/>
         </p:nvPicPr>
@@ -2505,7 +1957,7 @@
         <p:spPr>
           <a:xfrm>
             <a:off x="475200" y="5662440"/>
-            <a:ext cx="11241000" cy="959760"/>
+            <a:ext cx="11240640" cy="959400"/>
           </a:xfrm>
           <a:prstGeom prst="rect">
             <a:avLst/>
@@ -2517,7 +1969,7 @@
       </p:pic>
       <p:pic>
         <p:nvPicPr>
-          <p:cNvPr id="51" name="Google Shape;109;p15" descr="A picture containing text, clipart&#10;&#10;Description automatically generated"/>
+          <p:cNvPr id="48" name="Google Shape;109;p15_0" descr="A picture containing text, clipart&#10;&#10;Description automatically generated"/>
           <p:cNvPicPr/>
           <p:nvPr/>
         </p:nvPicPr>
@@ -2528,7 +1980,7 @@
         <p:spPr>
           <a:xfrm>
             <a:off x="9829800" y="347760"/>
-            <a:ext cx="1886400" cy="474120"/>
+            <a:ext cx="1886040" cy="473760"/>
           </a:xfrm>
           <a:prstGeom prst="rect">
             <a:avLst/>
@@ -2540,14 +1992,14 @@
       </p:pic>
       <p:sp>
         <p:nvSpPr>
-          <p:cNvPr id="52" name="TextShape 2"/>
-          <p:cNvSpPr txBox="1"/>
+          <p:cNvPr id="49" name="CustomShape 2"/>
+          <p:cNvSpPr/>
           <p:nvPr/>
         </p:nvSpPr>
         <p:spPr>
           <a:xfrm>
             <a:off x="3653280" y="636480"/>
-            <a:ext cx="4884840" cy="998280"/>
+            <a:ext cx="4884480" cy="997920"/>
           </a:xfrm>
           <a:prstGeom prst="rect">
             <a:avLst/>
@@ -2557,8 +2009,14 @@
             <a:noFill/>
           </a:ln>
         </p:spPr>
-        <p:txBody>
-          <a:bodyPr>
+        <p:style>
+          <a:lnRef idx="0"/>
+          <a:fillRef idx="0"/>
+          <a:effectRef idx="0"/>
+          <a:fontRef idx="minor"/>
+        </p:style>
+        <p:txBody>
+          <a:bodyPr lIns="90000" rIns="90000" tIns="45000" bIns="45000">
             <a:normAutofit/>
           </a:bodyPr>
           <a:p>
@@ -2588,14 +2046,14 @@
       </p:sp>
       <p:sp>
         <p:nvSpPr>
-          <p:cNvPr id="53" name="CustomShape 3"/>
+          <p:cNvPr id="50" name="CustomShape 3"/>
           <p:cNvSpPr/>
           <p:nvPr/>
         </p:nvSpPr>
         <p:spPr>
           <a:xfrm>
             <a:off x="3258720" y="2170080"/>
-            <a:ext cx="5601960" cy="498960"/>
+            <a:ext cx="5601600" cy="498600"/>
           </a:xfrm>
           <a:prstGeom prst="rect">
             <a:avLst/>
@@ -2612,7 +2070,7 @@
           <a:fontRef idx="minor"/>
         </p:style>
         <p:txBody>
-          <a:bodyPr>
+          <a:bodyPr lIns="90000" rIns="90000" tIns="45000" bIns="45000">
             <a:noAutofit/>
           </a:bodyPr>
           <a:p>
@@ -2630,29 +2088,8 @@
                   <a:srgbClr val="ffffff"/>
                 </a:solidFill>
                 <a:latin typeface="Assistant"/>
-                <a:cs typeface="Assistant"/>
               </a:rPr>
-              <a:t>שלום, אנחנו </a:t>
-            </a:r>
-            <a:r>
-              <a:rPr b="0" lang="en" sz="1600" spc="-1" strike="noStrike">
-                <a:solidFill>
-                  <a:srgbClr val="ffffff"/>
-                </a:solidFill>
-                <a:latin typeface="Assistant"/>
-                <a:ea typeface="Assistant"/>
-              </a:rPr>
-              <a:t>4</a:t>
-            </a:r>
-            <a:r>
-              <a:rPr b="0" lang="en" sz="1600" spc="-1" strike="noStrike">
-                <a:solidFill>
-                  <a:srgbClr val="ffffff"/>
-                </a:solidFill>
-                <a:latin typeface="Assistant"/>
-                <a:ea typeface="Assistant"/>
-              </a:rPr>
-              <a:t> נערים ונערות מירוחם ודימונה שתכנות מאוד מעניין אותנו.</a:t>
+              <a:t>מעין סגמן </a:t>
             </a:r>
             <a:endParaRPr b="0" lang="en" sz="1600" spc="-1" strike="noStrike">
               <a:latin typeface="Arial"/>
@@ -2667,6 +2104,15 @@
                 <a:tab algn="l" pos="0"/>
               </a:tabLst>
             </a:pPr>
+            <a:r>
+              <a:rPr b="0" lang="en" sz="1600" spc="-1" strike="noStrike">
+                <a:solidFill>
+                  <a:srgbClr val="ffffff"/>
+                </a:solidFill>
+                <a:latin typeface="Assistant"/>
+              </a:rPr>
+              <a:t> אריאל פטרובר </a:t>
+            </a:r>
             <a:endParaRPr b="0" lang="en" sz="1600" spc="-1" strike="noStrike">
               <a:latin typeface="Arial"/>
             </a:endParaRPr>
@@ -2680,6 +2126,15 @@
                 <a:tab algn="l" pos="0"/>
               </a:tabLst>
             </a:pPr>
+            <a:r>
+              <a:rPr b="0" lang="en" sz="1600" spc="-1" strike="noStrike">
+                <a:solidFill>
+                  <a:srgbClr val="ffffff"/>
+                </a:solidFill>
+                <a:latin typeface="Assistant"/>
+              </a:rPr>
+              <a:t> ללי ברמי </a:t>
+            </a:r>
             <a:endParaRPr b="0" lang="en" sz="1600" spc="-1" strike="noStrike">
               <a:latin typeface="Arial"/>
             </a:endParaRPr>
@@ -2693,19 +2148,15 @@
                 <a:tab algn="l" pos="0"/>
               </a:tabLst>
             </a:pPr>
-            <a:endParaRPr b="0" lang="en" sz="1600" spc="-1" strike="noStrike">
-              <a:latin typeface="Arial"/>
-            </a:endParaRPr>
-          </a:p>
-          <a:p>
-            <a:pPr algn="ctr" rtl="1">
-              <a:lnSpc>
-                <a:spcPct val="150000"/>
-              </a:lnSpc>
-              <a:tabLst>
-                <a:tab algn="l" pos="0"/>
-              </a:tabLst>
-            </a:pPr>
+            <a:r>
+              <a:rPr b="0" lang="he-IL" sz="1600" spc="-1" strike="noStrike">
+                <a:solidFill>
+                  <a:srgbClr val="ffffff"/>
+                </a:solidFill>
+                <a:latin typeface="Assistant"/>
+              </a:rPr>
+              <a:t>נעם באומגרטן</a:t>
+            </a:r>
             <a:endParaRPr b="0" lang="en" sz="1600" spc="-1" strike="noStrike">
               <a:latin typeface="Arial"/>
             </a:endParaRPr>
@@ -2714,7 +2165,7 @@
       </p:sp>
       <p:pic>
         <p:nvPicPr>
-          <p:cNvPr id="54" name="Google Shape;113;p15" descr=""/>
+          <p:cNvPr id="51" name="Google Shape;113;p15_0" descr=""/>
           <p:cNvPicPr/>
           <p:nvPr/>
         </p:nvPicPr>
@@ -2724,8 +2175,8 @@
         </p:blipFill>
         <p:spPr>
           <a:xfrm rot="21391800">
-            <a:off x="9618480" y="3670560"/>
-            <a:ext cx="2308680" cy="1861200"/>
+            <a:off x="9618120" y="3670560"/>
+            <a:ext cx="2308320" cy="1860840"/>
           </a:xfrm>
           <a:prstGeom prst="rect">
             <a:avLst/>
@@ -2737,7 +2188,7 @@
       </p:pic>
       <p:pic>
         <p:nvPicPr>
-          <p:cNvPr id="55" name="Google Shape;114;p15" descr="A picture containing application&#10;&#10;Description automatically generated"/>
+          <p:cNvPr id="52" name="Google Shape;114;p15_0" descr="A picture containing application&#10;&#10;Description automatically generated"/>
           <p:cNvPicPr/>
           <p:nvPr/>
         </p:nvPicPr>
@@ -2749,7 +2200,7 @@
         <p:spPr>
           <a:xfrm>
             <a:off x="0" y="821880"/>
-            <a:ext cx="1849320" cy="3889080"/>
+            <a:ext cx="1848960" cy="3888720"/>
           </a:xfrm>
           <a:prstGeom prst="rect">
             <a:avLst/>
@@ -2791,14 +2242,14 @@
       </p:grpSpPr>
       <p:sp>
         <p:nvSpPr>
-          <p:cNvPr id="56" name="CustomShape 1"/>
+          <p:cNvPr id="53" name="CustomShape 1"/>
           <p:cNvSpPr/>
           <p:nvPr/>
         </p:nvSpPr>
         <p:spPr>
           <a:xfrm>
             <a:off x="1080" y="0"/>
-            <a:ext cx="12191760" cy="5448960"/>
+            <a:ext cx="12191400" cy="5448600"/>
           </a:xfrm>
           <a:prstGeom prst="rect">
             <a:avLst/>
@@ -2819,7 +2270,7 @@
       </p:sp>
       <p:pic>
         <p:nvPicPr>
-          <p:cNvPr id="57" name="Google Shape;96;p14" descr=""/>
+          <p:cNvPr id="54" name="Google Shape;96;p14" descr=""/>
           <p:cNvPicPr/>
           <p:nvPr/>
         </p:nvPicPr>
@@ -2830,7 +2281,7 @@
         <p:spPr>
           <a:xfrm>
             <a:off x="475200" y="5662440"/>
-            <a:ext cx="11241000" cy="959760"/>
+            <a:ext cx="11240640" cy="959400"/>
           </a:xfrm>
           <a:prstGeom prst="rect">
             <a:avLst/>
@@ -2842,7 +2293,7 @@
       </p:pic>
       <p:pic>
         <p:nvPicPr>
-          <p:cNvPr id="58" name="Google Shape;97;p14" descr="A picture containing text, clipart&#10;&#10;Description automatically generated"/>
+          <p:cNvPr id="55" name="Google Shape;97;p14" descr="A picture containing text, clipart&#10;&#10;Description automatically generated"/>
           <p:cNvPicPr/>
           <p:nvPr/>
         </p:nvPicPr>
@@ -2853,7 +2304,7 @@
         <p:spPr>
           <a:xfrm>
             <a:off x="9829800" y="347760"/>
-            <a:ext cx="1886400" cy="474120"/>
+            <a:ext cx="1886040" cy="473760"/>
           </a:xfrm>
           <a:prstGeom prst="rect">
             <a:avLst/>
@@ -2865,14 +2316,14 @@
       </p:pic>
       <p:sp>
         <p:nvSpPr>
-          <p:cNvPr id="59" name="TextShape 2"/>
-          <p:cNvSpPr txBox="1"/>
+          <p:cNvPr id="56" name="CustomShape 2"/>
+          <p:cNvSpPr/>
           <p:nvPr/>
         </p:nvSpPr>
         <p:spPr>
           <a:xfrm>
             <a:off x="3653280" y="636480"/>
-            <a:ext cx="4884840" cy="998280"/>
+            <a:ext cx="4884480" cy="997920"/>
           </a:xfrm>
           <a:prstGeom prst="rect">
             <a:avLst/>
@@ -2882,8 +2333,14 @@
             <a:noFill/>
           </a:ln>
         </p:spPr>
-        <p:txBody>
-          <a:bodyPr>
+        <p:style>
+          <a:lnRef idx="0"/>
+          <a:fillRef idx="0"/>
+          <a:effectRef idx="0"/>
+          <a:fontRef idx="minor"/>
+        </p:style>
+        <p:txBody>
+          <a:bodyPr lIns="90000" rIns="90000" tIns="45000" bIns="45000">
             <a:normAutofit/>
           </a:bodyPr>
           <a:p>
@@ -2913,14 +2370,14 @@
       </p:sp>
       <p:sp>
         <p:nvSpPr>
-          <p:cNvPr id="60" name="CustomShape 3"/>
+          <p:cNvPr id="57" name="CustomShape 3"/>
           <p:cNvSpPr/>
           <p:nvPr/>
         </p:nvSpPr>
         <p:spPr>
           <a:xfrm>
             <a:off x="3294720" y="2170080"/>
-            <a:ext cx="5601960" cy="498960"/>
+            <a:ext cx="5601600" cy="498600"/>
           </a:xfrm>
           <a:prstGeom prst="rect">
             <a:avLst/>
@@ -2937,7 +2394,7 @@
           <a:fontRef idx="minor"/>
         </p:style>
         <p:txBody>
-          <a:bodyPr>
+          <a:bodyPr lIns="90000" rIns="90000" tIns="45000" bIns="45000">
             <a:noAutofit/>
           </a:bodyPr>
           <a:p>
@@ -3096,7 +2553,7 @@
       </p:sp>
       <p:pic>
         <p:nvPicPr>
-          <p:cNvPr id="61" name="Google Shape;101;p14" descr=""/>
+          <p:cNvPr id="58" name="Google Shape;101;p14" descr=""/>
           <p:cNvPicPr/>
           <p:nvPr/>
         </p:nvPicPr>
@@ -3106,8 +2563,8 @@
         </p:blipFill>
         <p:spPr>
           <a:xfrm rot="21391800">
-            <a:off x="440640" y="3670560"/>
-            <a:ext cx="2308680" cy="1861200"/>
+            <a:off x="440280" y="3670560"/>
+            <a:ext cx="2308320" cy="1860840"/>
           </a:xfrm>
           <a:prstGeom prst="rect">
             <a:avLst/>
@@ -3119,7 +2576,7 @@
       </p:pic>
       <p:pic>
         <p:nvPicPr>
-          <p:cNvPr id="62" name="Google Shape;102;p14" descr="Logo&#10;&#10;Description automatically generated"/>
+          <p:cNvPr id="59" name="Google Shape;102;p14" descr="Logo&#10;&#10;Description automatically generated"/>
           <p:cNvPicPr/>
           <p:nvPr/>
         </p:nvPicPr>
@@ -3130,7 +2587,7 @@
         <p:spPr>
           <a:xfrm>
             <a:off x="9294120" y="2119680"/>
-            <a:ext cx="7271640" cy="2618640"/>
+            <a:ext cx="7271280" cy="2618280"/>
           </a:xfrm>
           <a:prstGeom prst="rect">
             <a:avLst/>
@@ -3172,14 +2629,14 @@
       </p:grpSpPr>
       <p:sp>
         <p:nvSpPr>
-          <p:cNvPr id="63" name="CustomShape 1"/>
+          <p:cNvPr id="60" name="CustomShape 1"/>
           <p:cNvSpPr/>
           <p:nvPr/>
         </p:nvSpPr>
         <p:spPr>
           <a:xfrm>
             <a:off x="1080" y="0"/>
-            <a:ext cx="12191760" cy="5448960"/>
+            <a:ext cx="12191400" cy="5448600"/>
           </a:xfrm>
           <a:prstGeom prst="rect">
             <a:avLst/>
@@ -3200,7 +2657,7 @@
       </p:sp>
       <p:pic>
         <p:nvPicPr>
-          <p:cNvPr id="64" name="Google Shape;108;p15_1" descr=""/>
+          <p:cNvPr id="61" name="Google Shape;108;p15_1" descr=""/>
           <p:cNvPicPr/>
           <p:nvPr/>
         </p:nvPicPr>
@@ -3211,7 +2668,7 @@
         <p:spPr>
           <a:xfrm>
             <a:off x="475200" y="5662440"/>
-            <a:ext cx="11241000" cy="959760"/>
+            <a:ext cx="11240640" cy="959400"/>
           </a:xfrm>
           <a:prstGeom prst="rect">
             <a:avLst/>
@@ -3223,7 +2680,7 @@
       </p:pic>
       <p:pic>
         <p:nvPicPr>
-          <p:cNvPr id="65" name="Google Shape;109;p15_1" descr="A picture containing text, clipart&#10;&#10;Description automatically generated"/>
+          <p:cNvPr id="62" name="Google Shape;109;p15_1" descr="A picture containing text, clipart&#10;&#10;Description automatically generated"/>
           <p:cNvPicPr/>
           <p:nvPr/>
         </p:nvPicPr>
@@ -3234,7 +2691,7 @@
         <p:spPr>
           <a:xfrm>
             <a:off x="9829800" y="347760"/>
-            <a:ext cx="1886400" cy="474120"/>
+            <a:ext cx="1886040" cy="473760"/>
           </a:xfrm>
           <a:prstGeom prst="rect">
             <a:avLst/>
@@ -3246,14 +2703,14 @@
       </p:pic>
       <p:sp>
         <p:nvSpPr>
-          <p:cNvPr id="66" name="TextShape 2"/>
-          <p:cNvSpPr txBox="1"/>
+          <p:cNvPr id="63" name="CustomShape 2"/>
+          <p:cNvSpPr/>
           <p:nvPr/>
         </p:nvSpPr>
         <p:spPr>
           <a:xfrm>
             <a:off x="3653280" y="636480"/>
-            <a:ext cx="4884840" cy="998280"/>
+            <a:ext cx="4884480" cy="997920"/>
           </a:xfrm>
           <a:prstGeom prst="rect">
             <a:avLst/>
@@ -3263,8 +2720,14 @@
             <a:noFill/>
           </a:ln>
         </p:spPr>
-        <p:txBody>
-          <a:bodyPr>
+        <p:style>
+          <a:lnRef idx="0"/>
+          <a:fillRef idx="0"/>
+          <a:effectRef idx="0"/>
+          <a:fontRef idx="minor"/>
+        </p:style>
+        <p:txBody>
+          <a:bodyPr lIns="90000" rIns="90000" tIns="45000" bIns="45000">
             <a:normAutofit/>
           </a:bodyPr>
           <a:p>
@@ -3294,14 +2757,14 @@
       </p:sp>
       <p:sp>
         <p:nvSpPr>
-          <p:cNvPr id="67" name="CustomShape 3"/>
+          <p:cNvPr id="64" name="CustomShape 3"/>
           <p:cNvSpPr/>
           <p:nvPr/>
         </p:nvSpPr>
         <p:spPr>
           <a:xfrm>
             <a:off x="3653280" y="1503000"/>
-            <a:ext cx="4884840" cy="498960"/>
+            <a:ext cx="4884480" cy="498600"/>
           </a:xfrm>
           <a:prstGeom prst="rect">
             <a:avLst/>
@@ -3318,7 +2781,7 @@
           <a:fontRef idx="minor"/>
         </p:style>
         <p:txBody>
-          <a:bodyPr>
+          <a:bodyPr lIns="90000" rIns="90000" tIns="45000" bIns="45000">
             <a:normAutofit fontScale="97000"/>
           </a:bodyPr>
           <a:p>
@@ -3348,14 +2811,14 @@
       </p:sp>
       <p:sp>
         <p:nvSpPr>
-          <p:cNvPr id="68" name="CustomShape 4"/>
+          <p:cNvPr id="65" name="CustomShape 4"/>
           <p:cNvSpPr/>
           <p:nvPr/>
         </p:nvSpPr>
         <p:spPr>
           <a:xfrm>
             <a:off x="3294720" y="2170080"/>
-            <a:ext cx="5601960" cy="1432080"/>
+            <a:ext cx="5601600" cy="1431720"/>
           </a:xfrm>
           <a:prstGeom prst="rect">
             <a:avLst/>
@@ -3372,7 +2835,7 @@
           <a:fontRef idx="minor"/>
         </p:style>
         <p:txBody>
-          <a:bodyPr>
+          <a:bodyPr lIns="90000" rIns="90000" tIns="45000" bIns="45000">
             <a:noAutofit/>
           </a:bodyPr>
           <a:p>
@@ -3455,7 +2918,7 @@
                 <a:latin typeface="Assistant"/>
                 <a:cs typeface="Assistant"/>
               </a:rPr>
-              <a:t>במהלך הפיתוח למדנו לעצב ולמדנו איך להתמודד עם מספר עצמים רב ומגע בינהם.</a:t>
+              <a:t>במהלך הפיתוח למדנו לעצב ולהתמודד עם מספר עצמים רב ומגע בינהם.</a:t>
             </a:r>
             <a:endParaRPr b="0" lang="en" sz="1600" spc="-1" strike="noStrike">
               <a:latin typeface="Arial"/>
@@ -3501,7 +2964,7 @@
       </p:sp>
       <p:pic>
         <p:nvPicPr>
-          <p:cNvPr id="69" name="Google Shape;113;p15_1" descr=""/>
+          <p:cNvPr id="66" name="Google Shape;113;p15_1" descr=""/>
           <p:cNvPicPr/>
           <p:nvPr/>
         </p:nvPicPr>
@@ -3511,8 +2974,8 @@
         </p:blipFill>
         <p:spPr>
           <a:xfrm rot="21391800">
-            <a:off x="9618480" y="3670560"/>
-            <a:ext cx="2308680" cy="1861200"/>
+            <a:off x="9618120" y="3670560"/>
+            <a:ext cx="2308320" cy="1860840"/>
           </a:xfrm>
           <a:prstGeom prst="rect">
             <a:avLst/>
@@ -3524,7 +2987,7 @@
       </p:pic>
       <p:pic>
         <p:nvPicPr>
-          <p:cNvPr id="70" name="Google Shape;114;p15_1" descr="A picture containing application&#10;&#10;Description automatically generated"/>
+          <p:cNvPr id="67" name="Google Shape;114;p15_1" descr="A picture containing application&#10;&#10;Description automatically generated"/>
           <p:cNvPicPr/>
           <p:nvPr/>
         </p:nvPicPr>
@@ -3536,7 +2999,7 @@
         <p:spPr>
           <a:xfrm>
             <a:off x="0" y="821880"/>
-            <a:ext cx="1849320" cy="3889080"/>
+            <a:ext cx="1848960" cy="3888720"/>
           </a:xfrm>
           <a:prstGeom prst="rect">
             <a:avLst/>
@@ -3578,14 +3041,14 @@
       </p:grpSpPr>
       <p:sp>
         <p:nvSpPr>
-          <p:cNvPr id="71" name="CustomShape 1"/>
+          <p:cNvPr id="68" name="CustomShape 1"/>
           <p:cNvSpPr/>
           <p:nvPr/>
         </p:nvSpPr>
         <p:spPr>
           <a:xfrm>
             <a:off x="1080" y="0"/>
-            <a:ext cx="12191760" cy="6857640"/>
+            <a:ext cx="12191400" cy="6857280"/>
           </a:xfrm>
           <a:prstGeom prst="rect">
             <a:avLst/>
@@ -3609,14 +3072,14 @@
       </p:sp>
       <p:sp>
         <p:nvSpPr>
-          <p:cNvPr id="72" name="CustomShape 2"/>
+          <p:cNvPr id="69" name="CustomShape 2"/>
           <p:cNvSpPr/>
           <p:nvPr/>
         </p:nvSpPr>
         <p:spPr>
           <a:xfrm>
             <a:off x="-101520" y="4553640"/>
-            <a:ext cx="12404160" cy="2321280"/>
+            <a:ext cx="12403800" cy="2320920"/>
           </a:xfrm>
           <a:prstGeom prst="roundRect">
             <a:avLst>
@@ -3639,7 +3102,7 @@
       </p:sp>
       <p:pic>
         <p:nvPicPr>
-          <p:cNvPr id="73" name="Google Shape;86;p13" descr=""/>
+          <p:cNvPr id="70" name="Google Shape;86;p13" descr=""/>
           <p:cNvPicPr/>
           <p:nvPr/>
         </p:nvPicPr>
@@ -3650,7 +3113,7 @@
         <p:spPr>
           <a:xfrm>
             <a:off x="655920" y="5218200"/>
-            <a:ext cx="10879920" cy="928800"/>
+            <a:ext cx="10879560" cy="928440"/>
           </a:xfrm>
           <a:prstGeom prst="rect">
             <a:avLst/>
@@ -3662,7 +3125,7 @@
       </p:pic>
       <p:pic>
         <p:nvPicPr>
-          <p:cNvPr id="74" name="Google Shape;87;p13" descr="A picture containing text, clipart&#10;&#10;Description automatically generated"/>
+          <p:cNvPr id="71" name="Google Shape;87;p13" descr="A picture containing text, clipart&#10;&#10;Description automatically generated"/>
           <p:cNvPicPr/>
           <p:nvPr/>
         </p:nvPicPr>
@@ -3673,7 +3136,7 @@
         <p:spPr>
           <a:xfrm>
             <a:off x="9279000" y="347760"/>
-            <a:ext cx="2437560" cy="612720"/>
+            <a:ext cx="2437200" cy="612360"/>
           </a:xfrm>
           <a:prstGeom prst="rect">
             <a:avLst/>
@@ -3685,7 +3148,7 @@
       </p:pic>
       <p:pic>
         <p:nvPicPr>
-          <p:cNvPr id="75" name="Google Shape;88;p13" descr=""/>
+          <p:cNvPr id="72" name="Google Shape;88;p13" descr=""/>
           <p:cNvPicPr/>
           <p:nvPr/>
         </p:nvPicPr>
@@ -3696,7 +3159,7 @@
         <p:spPr>
           <a:xfrm>
             <a:off x="9058680" y="3140280"/>
-            <a:ext cx="2199240" cy="1846080"/>
+            <a:ext cx="2198880" cy="1845720"/>
           </a:xfrm>
           <a:prstGeom prst="rect">
             <a:avLst/>
@@ -3708,14 +3171,14 @@
       </p:pic>
       <p:sp>
         <p:nvSpPr>
-          <p:cNvPr id="76" name="CustomShape 3"/>
+          <p:cNvPr id="73" name="CustomShape 3"/>
           <p:cNvSpPr/>
           <p:nvPr/>
         </p:nvSpPr>
         <p:spPr>
           <a:xfrm>
             <a:off x="-217080" y="7338240"/>
-            <a:ext cx="12404160" cy="673920"/>
+            <a:ext cx="12403800" cy="673560"/>
           </a:xfrm>
           <a:prstGeom prst="roundRect">
             <a:avLst>
@@ -3738,7 +3201,7 @@
       </p:sp>
       <p:pic>
         <p:nvPicPr>
-          <p:cNvPr id="77" name="Google Shape;90;p13" descr="Logo&#10;&#10;Description automatically generated"/>
+          <p:cNvPr id="74" name="Google Shape;90;p13" descr="Logo&#10;&#10;Description automatically generated"/>
           <p:cNvPicPr/>
           <p:nvPr/>
         </p:nvPicPr>
@@ -3750,7 +3213,7 @@
         <p:spPr>
           <a:xfrm>
             <a:off x="0" y="960480"/>
-            <a:ext cx="2912760" cy="3533400"/>
+            <a:ext cx="2912400" cy="3533040"/>
           </a:xfrm>
           <a:prstGeom prst="rect">
             <a:avLst/>
@@ -3762,14 +3225,14 @@
       </p:pic>
       <p:sp>
         <p:nvSpPr>
-          <p:cNvPr id="78" name="TextShape 4"/>
-          <p:cNvSpPr txBox="1"/>
+          <p:cNvPr id="75" name="CustomShape 4"/>
+          <p:cNvSpPr/>
           <p:nvPr/>
         </p:nvSpPr>
         <p:spPr>
           <a:xfrm>
             <a:off x="3543120" y="-16920"/>
-            <a:ext cx="4884840" cy="4570200"/>
+            <a:ext cx="4884480" cy="4569840"/>
           </a:xfrm>
           <a:prstGeom prst="rect">
             <a:avLst/>
@@ -3779,8 +3242,14 @@
             <a:noFill/>
           </a:ln>
         </p:spPr>
-        <p:txBody>
-          <a:bodyPr anchor="ctr">
+        <p:style>
+          <a:lnRef idx="0"/>
+          <a:fillRef idx="0"/>
+          <a:effectRef idx="0"/>
+          <a:fontRef idx="minor"/>
+        </p:style>
+        <p:txBody>
+          <a:bodyPr lIns="90000" rIns="90000" tIns="45000" bIns="45000" anchor="ctr">
             <a:normAutofit/>
           </a:bodyPr>
           <a:p>
